--- a/CI-CD.pptx
+++ b/CI-CD.pptx
@@ -5,10 +5,10 @@
     <p:sldMasterId id="2147483648" r:id="rId4"/>
   </p:sldMasterIdLst>
   <p:notesMasterIdLst>
-    <p:notesMasterId r:id="rId24"/>
+    <p:notesMasterId r:id="rId31"/>
   </p:notesMasterIdLst>
   <p:handoutMasterIdLst>
-    <p:handoutMasterId r:id="rId25"/>
+    <p:handoutMasterId r:id="rId32"/>
   </p:handoutMasterIdLst>
   <p:sldIdLst>
     <p:sldId id="256" r:id="rId5"/>
@@ -28,14 +28,21 @@
     <p:sldId id="291" r:id="rId19"/>
     <p:sldId id="290" r:id="rId20"/>
     <p:sldId id="292" r:id="rId21"/>
-    <p:sldId id="282" r:id="rId22"/>
-    <p:sldId id="285" r:id="rId23"/>
+    <p:sldId id="293" r:id="rId22"/>
+    <p:sldId id="294" r:id="rId23"/>
+    <p:sldId id="296" r:id="rId24"/>
+    <p:sldId id="295" r:id="rId25"/>
+    <p:sldId id="297" r:id="rId26"/>
+    <p:sldId id="298" r:id="rId27"/>
+    <p:sldId id="299" r:id="rId28"/>
+    <p:sldId id="282" r:id="rId29"/>
+    <p:sldId id="285" r:id="rId30"/>
   </p:sldIdLst>
   <p:sldSz cx="12192000" cy="6858000"/>
   <p:notesSz cx="6858000" cy="9144000"/>
   <p:defaultTextStyle>
     <a:defPPr rtl="0">
-      <a:defRPr lang="zh-cn"/>
+      <a:defRPr lang="x-none"/>
     </a:defPPr>
     <a:lvl1pPr marL="0" algn="l" defTabSz="914400" rtl="0" eaLnBrk="1" latinLnBrk="0" hangingPunct="1">
       <a:defRPr sz="1800" kern="1200">
@@ -1631,7 +1638,7 @@
     </p:spTree>
     <p:extLst>
       <p:ext uri="{BB962C8B-B14F-4D97-AF65-F5344CB8AC3E}">
-        <p14:creationId xmlns:p14="http://schemas.microsoft.com/office/powerpoint/2010/main" val="2375013680"/>
+        <p14:creationId xmlns:p14="http://schemas.microsoft.com/office/powerpoint/2010/main" val="1222948449"/>
       </p:ext>
     </p:extLst>
   </p:cSld>
@@ -1725,7 +1732,7 @@
     </p:spTree>
     <p:extLst>
       <p:ext uri="{BB962C8B-B14F-4D97-AF65-F5344CB8AC3E}">
-        <p14:creationId xmlns:p14="http://schemas.microsoft.com/office/powerpoint/2010/main" val="2311998451"/>
+        <p14:creationId xmlns:p14="http://schemas.microsoft.com/office/powerpoint/2010/main" val="1877410084"/>
       </p:ext>
     </p:extLst>
   </p:cSld>
@@ -1820,6 +1827,664 @@
     <p:extLst>
       <p:ext uri="{BB962C8B-B14F-4D97-AF65-F5344CB8AC3E}">
         <p14:creationId xmlns:p14="http://schemas.microsoft.com/office/powerpoint/2010/main" val="2090303795"/>
+      </p:ext>
+    </p:extLst>
+  </p:cSld>
+  <p:clrMapOvr>
+    <a:masterClrMapping/>
+  </p:clrMapOvr>
+</p:notes>
+</file>
+
+<file path=ppt/notesSlides/notesSlide20.xml><?xml version="1.0" encoding="utf-8"?>
+<p:notes xmlns:a="http://schemas.openxmlformats.org/drawingml/2006/main" xmlns:r="http://schemas.openxmlformats.org/officeDocument/2006/relationships" xmlns:p="http://schemas.openxmlformats.org/presentationml/2006/main">
+  <p:cSld>
+    <p:spTree>
+      <p:nvGrpSpPr>
+        <p:cNvPr id="1" name=""/>
+        <p:cNvGrpSpPr/>
+        <p:nvPr/>
+      </p:nvGrpSpPr>
+      <p:grpSpPr>
+        <a:xfrm>
+          <a:off x="0" y="0"/>
+          <a:ext cx="0" cy="0"/>
+          <a:chOff x="0" y="0"/>
+          <a:chExt cx="0" cy="0"/>
+        </a:xfrm>
+      </p:grpSpPr>
+      <p:sp>
+        <p:nvSpPr>
+          <p:cNvPr id="2" name="幻灯片图像占位符 1"/>
+          <p:cNvSpPr>
+            <a:spLocks noGrp="1" noRot="1" noChangeAspect="1"/>
+          </p:cNvSpPr>
+          <p:nvPr>
+            <p:ph type="sldImg"/>
+          </p:nvPr>
+        </p:nvSpPr>
+        <p:spPr/>
+      </p:sp>
+      <p:sp>
+        <p:nvSpPr>
+          <p:cNvPr id="3" name="备注占位符 2"/>
+          <p:cNvSpPr>
+            <a:spLocks noGrp="1"/>
+          </p:cNvSpPr>
+          <p:nvPr>
+            <p:ph type="body" idx="1"/>
+          </p:nvPr>
+        </p:nvSpPr>
+        <p:spPr/>
+        <p:txBody>
+          <a:bodyPr/>
+          <a:lstStyle/>
+          <a:p>
+            <a:endParaRPr lang="zh-CN" altLang="en-US" dirty="0">
+              <a:latin typeface="微软雅黑" panose="020B0503020204020204" pitchFamily="34" charset="-122"/>
+              <a:ea typeface="微软雅黑" panose="020B0503020204020204" pitchFamily="34" charset="-122"/>
+            </a:endParaRPr>
+          </a:p>
+        </p:txBody>
+      </p:sp>
+      <p:sp>
+        <p:nvSpPr>
+          <p:cNvPr id="4" name="幻灯片编号占位符 3"/>
+          <p:cNvSpPr>
+            <a:spLocks noGrp="1"/>
+          </p:cNvSpPr>
+          <p:nvPr>
+            <p:ph type="sldNum" sz="quarter" idx="10"/>
+          </p:nvPr>
+        </p:nvSpPr>
+        <p:spPr/>
+        <p:txBody>
+          <a:bodyPr/>
+          <a:lstStyle/>
+          <a:p>
+            <a:pPr rtl="0"/>
+            <a:fld id="{7FB667E1-E601-4AAF-B95C-B25720D70A60}" type="slidenum">
+              <a:rPr lang="en-US" altLang="zh-CN" smtClean="0">
+                <a:latin typeface="微软雅黑" panose="020B0503020204020204" pitchFamily="34" charset="-122"/>
+                <a:ea typeface="微软雅黑" panose="020B0503020204020204" pitchFamily="34" charset="-122"/>
+              </a:rPr>
+              <a:t>20</a:t>
+            </a:fld>
+            <a:endParaRPr lang="en-US" altLang="zh-CN">
+              <a:latin typeface="微软雅黑" panose="020B0503020204020204" pitchFamily="34" charset="-122"/>
+              <a:ea typeface="微软雅黑" panose="020B0503020204020204" pitchFamily="34" charset="-122"/>
+            </a:endParaRPr>
+          </a:p>
+        </p:txBody>
+      </p:sp>
+    </p:spTree>
+    <p:extLst>
+      <p:ext uri="{BB962C8B-B14F-4D97-AF65-F5344CB8AC3E}">
+        <p14:creationId xmlns:p14="http://schemas.microsoft.com/office/powerpoint/2010/main" val="685070552"/>
+      </p:ext>
+    </p:extLst>
+  </p:cSld>
+  <p:clrMapOvr>
+    <a:masterClrMapping/>
+  </p:clrMapOvr>
+</p:notes>
+</file>
+
+<file path=ppt/notesSlides/notesSlide21.xml><?xml version="1.0" encoding="utf-8"?>
+<p:notes xmlns:a="http://schemas.openxmlformats.org/drawingml/2006/main" xmlns:r="http://schemas.openxmlformats.org/officeDocument/2006/relationships" xmlns:p="http://schemas.openxmlformats.org/presentationml/2006/main">
+  <p:cSld>
+    <p:spTree>
+      <p:nvGrpSpPr>
+        <p:cNvPr id="1" name=""/>
+        <p:cNvGrpSpPr/>
+        <p:nvPr/>
+      </p:nvGrpSpPr>
+      <p:grpSpPr>
+        <a:xfrm>
+          <a:off x="0" y="0"/>
+          <a:ext cx="0" cy="0"/>
+          <a:chOff x="0" y="0"/>
+          <a:chExt cx="0" cy="0"/>
+        </a:xfrm>
+      </p:grpSpPr>
+      <p:sp>
+        <p:nvSpPr>
+          <p:cNvPr id="2" name="幻灯片图像占位符 1"/>
+          <p:cNvSpPr>
+            <a:spLocks noGrp="1" noRot="1" noChangeAspect="1"/>
+          </p:cNvSpPr>
+          <p:nvPr>
+            <p:ph type="sldImg"/>
+          </p:nvPr>
+        </p:nvSpPr>
+        <p:spPr/>
+      </p:sp>
+      <p:sp>
+        <p:nvSpPr>
+          <p:cNvPr id="3" name="备注占位符 2"/>
+          <p:cNvSpPr>
+            <a:spLocks noGrp="1"/>
+          </p:cNvSpPr>
+          <p:nvPr>
+            <p:ph type="body" idx="1"/>
+          </p:nvPr>
+        </p:nvSpPr>
+        <p:spPr/>
+        <p:txBody>
+          <a:bodyPr/>
+          <a:lstStyle/>
+          <a:p>
+            <a:endParaRPr lang="zh-CN" altLang="en-US" dirty="0">
+              <a:latin typeface="微软雅黑" panose="020B0503020204020204" pitchFamily="34" charset="-122"/>
+              <a:ea typeface="微软雅黑" panose="020B0503020204020204" pitchFamily="34" charset="-122"/>
+            </a:endParaRPr>
+          </a:p>
+        </p:txBody>
+      </p:sp>
+      <p:sp>
+        <p:nvSpPr>
+          <p:cNvPr id="4" name="幻灯片编号占位符 3"/>
+          <p:cNvSpPr>
+            <a:spLocks noGrp="1"/>
+          </p:cNvSpPr>
+          <p:nvPr>
+            <p:ph type="sldNum" sz="quarter" idx="10"/>
+          </p:nvPr>
+        </p:nvSpPr>
+        <p:spPr/>
+        <p:txBody>
+          <a:bodyPr/>
+          <a:lstStyle/>
+          <a:p>
+            <a:pPr rtl="0"/>
+            <a:fld id="{7FB667E1-E601-4AAF-B95C-B25720D70A60}" type="slidenum">
+              <a:rPr lang="en-US" altLang="zh-CN" smtClean="0">
+                <a:latin typeface="微软雅黑" panose="020B0503020204020204" pitchFamily="34" charset="-122"/>
+                <a:ea typeface="微软雅黑" panose="020B0503020204020204" pitchFamily="34" charset="-122"/>
+              </a:rPr>
+              <a:t>21</a:t>
+            </a:fld>
+            <a:endParaRPr lang="en-US" altLang="zh-CN">
+              <a:latin typeface="微软雅黑" panose="020B0503020204020204" pitchFamily="34" charset="-122"/>
+              <a:ea typeface="微软雅黑" panose="020B0503020204020204" pitchFamily="34" charset="-122"/>
+            </a:endParaRPr>
+          </a:p>
+        </p:txBody>
+      </p:sp>
+    </p:spTree>
+    <p:extLst>
+      <p:ext uri="{BB962C8B-B14F-4D97-AF65-F5344CB8AC3E}">
+        <p14:creationId xmlns:p14="http://schemas.microsoft.com/office/powerpoint/2010/main" val="282138375"/>
+      </p:ext>
+    </p:extLst>
+  </p:cSld>
+  <p:clrMapOvr>
+    <a:masterClrMapping/>
+  </p:clrMapOvr>
+</p:notes>
+</file>
+
+<file path=ppt/notesSlides/notesSlide22.xml><?xml version="1.0" encoding="utf-8"?>
+<p:notes xmlns:a="http://schemas.openxmlformats.org/drawingml/2006/main" xmlns:r="http://schemas.openxmlformats.org/officeDocument/2006/relationships" xmlns:p="http://schemas.openxmlformats.org/presentationml/2006/main">
+  <p:cSld>
+    <p:spTree>
+      <p:nvGrpSpPr>
+        <p:cNvPr id="1" name=""/>
+        <p:cNvGrpSpPr/>
+        <p:nvPr/>
+      </p:nvGrpSpPr>
+      <p:grpSpPr>
+        <a:xfrm>
+          <a:off x="0" y="0"/>
+          <a:ext cx="0" cy="0"/>
+          <a:chOff x="0" y="0"/>
+          <a:chExt cx="0" cy="0"/>
+        </a:xfrm>
+      </p:grpSpPr>
+      <p:sp>
+        <p:nvSpPr>
+          <p:cNvPr id="2" name="幻灯片图像占位符 1"/>
+          <p:cNvSpPr>
+            <a:spLocks noGrp="1" noRot="1" noChangeAspect="1"/>
+          </p:cNvSpPr>
+          <p:nvPr>
+            <p:ph type="sldImg"/>
+          </p:nvPr>
+        </p:nvSpPr>
+        <p:spPr/>
+      </p:sp>
+      <p:sp>
+        <p:nvSpPr>
+          <p:cNvPr id="3" name="备注占位符 2"/>
+          <p:cNvSpPr>
+            <a:spLocks noGrp="1"/>
+          </p:cNvSpPr>
+          <p:nvPr>
+            <p:ph type="body" idx="1"/>
+          </p:nvPr>
+        </p:nvSpPr>
+        <p:spPr/>
+        <p:txBody>
+          <a:bodyPr/>
+          <a:lstStyle/>
+          <a:p>
+            <a:endParaRPr lang="zh-CN" altLang="en-US" dirty="0">
+              <a:latin typeface="微软雅黑" panose="020B0503020204020204" pitchFamily="34" charset="-122"/>
+              <a:ea typeface="微软雅黑" panose="020B0503020204020204" pitchFamily="34" charset="-122"/>
+            </a:endParaRPr>
+          </a:p>
+        </p:txBody>
+      </p:sp>
+      <p:sp>
+        <p:nvSpPr>
+          <p:cNvPr id="4" name="幻灯片编号占位符 3"/>
+          <p:cNvSpPr>
+            <a:spLocks noGrp="1"/>
+          </p:cNvSpPr>
+          <p:nvPr>
+            <p:ph type="sldNum" sz="quarter" idx="10"/>
+          </p:nvPr>
+        </p:nvSpPr>
+        <p:spPr/>
+        <p:txBody>
+          <a:bodyPr/>
+          <a:lstStyle/>
+          <a:p>
+            <a:pPr rtl="0"/>
+            <a:fld id="{7FB667E1-E601-4AAF-B95C-B25720D70A60}" type="slidenum">
+              <a:rPr lang="en-US" altLang="zh-CN" smtClean="0">
+                <a:latin typeface="微软雅黑" panose="020B0503020204020204" pitchFamily="34" charset="-122"/>
+                <a:ea typeface="微软雅黑" panose="020B0503020204020204" pitchFamily="34" charset="-122"/>
+              </a:rPr>
+              <a:t>22</a:t>
+            </a:fld>
+            <a:endParaRPr lang="en-US" altLang="zh-CN">
+              <a:latin typeface="微软雅黑" panose="020B0503020204020204" pitchFamily="34" charset="-122"/>
+              <a:ea typeface="微软雅黑" panose="020B0503020204020204" pitchFamily="34" charset="-122"/>
+            </a:endParaRPr>
+          </a:p>
+        </p:txBody>
+      </p:sp>
+    </p:spTree>
+    <p:extLst>
+      <p:ext uri="{BB962C8B-B14F-4D97-AF65-F5344CB8AC3E}">
+        <p14:creationId xmlns:p14="http://schemas.microsoft.com/office/powerpoint/2010/main" val="315468196"/>
+      </p:ext>
+    </p:extLst>
+  </p:cSld>
+  <p:clrMapOvr>
+    <a:masterClrMapping/>
+  </p:clrMapOvr>
+</p:notes>
+</file>
+
+<file path=ppt/notesSlides/notesSlide23.xml><?xml version="1.0" encoding="utf-8"?>
+<p:notes xmlns:a="http://schemas.openxmlformats.org/drawingml/2006/main" xmlns:r="http://schemas.openxmlformats.org/officeDocument/2006/relationships" xmlns:p="http://schemas.openxmlformats.org/presentationml/2006/main">
+  <p:cSld>
+    <p:spTree>
+      <p:nvGrpSpPr>
+        <p:cNvPr id="1" name=""/>
+        <p:cNvGrpSpPr/>
+        <p:nvPr/>
+      </p:nvGrpSpPr>
+      <p:grpSpPr>
+        <a:xfrm>
+          <a:off x="0" y="0"/>
+          <a:ext cx="0" cy="0"/>
+          <a:chOff x="0" y="0"/>
+          <a:chExt cx="0" cy="0"/>
+        </a:xfrm>
+      </p:grpSpPr>
+      <p:sp>
+        <p:nvSpPr>
+          <p:cNvPr id="2" name="幻灯片图像占位符 1"/>
+          <p:cNvSpPr>
+            <a:spLocks noGrp="1" noRot="1" noChangeAspect="1"/>
+          </p:cNvSpPr>
+          <p:nvPr>
+            <p:ph type="sldImg"/>
+          </p:nvPr>
+        </p:nvSpPr>
+        <p:spPr/>
+      </p:sp>
+      <p:sp>
+        <p:nvSpPr>
+          <p:cNvPr id="3" name="备注占位符 2"/>
+          <p:cNvSpPr>
+            <a:spLocks noGrp="1"/>
+          </p:cNvSpPr>
+          <p:nvPr>
+            <p:ph type="body" idx="1"/>
+          </p:nvPr>
+        </p:nvSpPr>
+        <p:spPr/>
+        <p:txBody>
+          <a:bodyPr/>
+          <a:lstStyle/>
+          <a:p>
+            <a:endParaRPr lang="zh-CN" altLang="en-US" dirty="0">
+              <a:latin typeface="微软雅黑" panose="020B0503020204020204" pitchFamily="34" charset="-122"/>
+              <a:ea typeface="微软雅黑" panose="020B0503020204020204" pitchFamily="34" charset="-122"/>
+            </a:endParaRPr>
+          </a:p>
+        </p:txBody>
+      </p:sp>
+      <p:sp>
+        <p:nvSpPr>
+          <p:cNvPr id="4" name="幻灯片编号占位符 3"/>
+          <p:cNvSpPr>
+            <a:spLocks noGrp="1"/>
+          </p:cNvSpPr>
+          <p:nvPr>
+            <p:ph type="sldNum" sz="quarter" idx="10"/>
+          </p:nvPr>
+        </p:nvSpPr>
+        <p:spPr/>
+        <p:txBody>
+          <a:bodyPr/>
+          <a:lstStyle/>
+          <a:p>
+            <a:pPr rtl="0"/>
+            <a:fld id="{7FB667E1-E601-4AAF-B95C-B25720D70A60}" type="slidenum">
+              <a:rPr lang="en-US" altLang="zh-CN" smtClean="0">
+                <a:latin typeface="微软雅黑" panose="020B0503020204020204" pitchFamily="34" charset="-122"/>
+                <a:ea typeface="微软雅黑" panose="020B0503020204020204" pitchFamily="34" charset="-122"/>
+              </a:rPr>
+              <a:t>23</a:t>
+            </a:fld>
+            <a:endParaRPr lang="en-US" altLang="zh-CN">
+              <a:latin typeface="微软雅黑" panose="020B0503020204020204" pitchFamily="34" charset="-122"/>
+              <a:ea typeface="微软雅黑" panose="020B0503020204020204" pitchFamily="34" charset="-122"/>
+            </a:endParaRPr>
+          </a:p>
+        </p:txBody>
+      </p:sp>
+    </p:spTree>
+    <p:extLst>
+      <p:ext uri="{BB962C8B-B14F-4D97-AF65-F5344CB8AC3E}">
+        <p14:creationId xmlns:p14="http://schemas.microsoft.com/office/powerpoint/2010/main" val="911859869"/>
+      </p:ext>
+    </p:extLst>
+  </p:cSld>
+  <p:clrMapOvr>
+    <a:masterClrMapping/>
+  </p:clrMapOvr>
+</p:notes>
+</file>
+
+<file path=ppt/notesSlides/notesSlide24.xml><?xml version="1.0" encoding="utf-8"?>
+<p:notes xmlns:a="http://schemas.openxmlformats.org/drawingml/2006/main" xmlns:r="http://schemas.openxmlformats.org/officeDocument/2006/relationships" xmlns:p="http://schemas.openxmlformats.org/presentationml/2006/main">
+  <p:cSld>
+    <p:spTree>
+      <p:nvGrpSpPr>
+        <p:cNvPr id="1" name=""/>
+        <p:cNvGrpSpPr/>
+        <p:nvPr/>
+      </p:nvGrpSpPr>
+      <p:grpSpPr>
+        <a:xfrm>
+          <a:off x="0" y="0"/>
+          <a:ext cx="0" cy="0"/>
+          <a:chOff x="0" y="0"/>
+          <a:chExt cx="0" cy="0"/>
+        </a:xfrm>
+      </p:grpSpPr>
+      <p:sp>
+        <p:nvSpPr>
+          <p:cNvPr id="2" name="幻灯片图像占位符 1"/>
+          <p:cNvSpPr>
+            <a:spLocks noGrp="1" noRot="1" noChangeAspect="1"/>
+          </p:cNvSpPr>
+          <p:nvPr>
+            <p:ph type="sldImg"/>
+          </p:nvPr>
+        </p:nvSpPr>
+        <p:spPr/>
+      </p:sp>
+      <p:sp>
+        <p:nvSpPr>
+          <p:cNvPr id="3" name="备注占位符 2"/>
+          <p:cNvSpPr>
+            <a:spLocks noGrp="1"/>
+          </p:cNvSpPr>
+          <p:nvPr>
+            <p:ph type="body" idx="1"/>
+          </p:nvPr>
+        </p:nvSpPr>
+        <p:spPr/>
+        <p:txBody>
+          <a:bodyPr/>
+          <a:lstStyle/>
+          <a:p>
+            <a:endParaRPr lang="zh-CN" altLang="en-US" dirty="0">
+              <a:latin typeface="微软雅黑" panose="020B0503020204020204" pitchFamily="34" charset="-122"/>
+              <a:ea typeface="微软雅黑" panose="020B0503020204020204" pitchFamily="34" charset="-122"/>
+            </a:endParaRPr>
+          </a:p>
+        </p:txBody>
+      </p:sp>
+      <p:sp>
+        <p:nvSpPr>
+          <p:cNvPr id="4" name="幻灯片编号占位符 3"/>
+          <p:cNvSpPr>
+            <a:spLocks noGrp="1"/>
+          </p:cNvSpPr>
+          <p:nvPr>
+            <p:ph type="sldNum" sz="quarter" idx="10"/>
+          </p:nvPr>
+        </p:nvSpPr>
+        <p:spPr/>
+        <p:txBody>
+          <a:bodyPr/>
+          <a:lstStyle/>
+          <a:p>
+            <a:pPr rtl="0"/>
+            <a:fld id="{7FB667E1-E601-4AAF-B95C-B25720D70A60}" type="slidenum">
+              <a:rPr lang="en-US" altLang="zh-CN" smtClean="0">
+                <a:latin typeface="微软雅黑" panose="020B0503020204020204" pitchFamily="34" charset="-122"/>
+                <a:ea typeface="微软雅黑" panose="020B0503020204020204" pitchFamily="34" charset="-122"/>
+              </a:rPr>
+              <a:t>24</a:t>
+            </a:fld>
+            <a:endParaRPr lang="en-US" altLang="zh-CN">
+              <a:latin typeface="微软雅黑" panose="020B0503020204020204" pitchFamily="34" charset="-122"/>
+              <a:ea typeface="微软雅黑" panose="020B0503020204020204" pitchFamily="34" charset="-122"/>
+            </a:endParaRPr>
+          </a:p>
+        </p:txBody>
+      </p:sp>
+    </p:spTree>
+    <p:extLst>
+      <p:ext uri="{BB962C8B-B14F-4D97-AF65-F5344CB8AC3E}">
+        <p14:creationId xmlns:p14="http://schemas.microsoft.com/office/powerpoint/2010/main" val="1656721394"/>
+      </p:ext>
+    </p:extLst>
+  </p:cSld>
+  <p:clrMapOvr>
+    <a:masterClrMapping/>
+  </p:clrMapOvr>
+</p:notes>
+</file>
+
+<file path=ppt/notesSlides/notesSlide25.xml><?xml version="1.0" encoding="utf-8"?>
+<p:notes xmlns:a="http://schemas.openxmlformats.org/drawingml/2006/main" xmlns:r="http://schemas.openxmlformats.org/officeDocument/2006/relationships" xmlns:p="http://schemas.openxmlformats.org/presentationml/2006/main">
+  <p:cSld>
+    <p:spTree>
+      <p:nvGrpSpPr>
+        <p:cNvPr id="1" name=""/>
+        <p:cNvGrpSpPr/>
+        <p:nvPr/>
+      </p:nvGrpSpPr>
+      <p:grpSpPr>
+        <a:xfrm>
+          <a:off x="0" y="0"/>
+          <a:ext cx="0" cy="0"/>
+          <a:chOff x="0" y="0"/>
+          <a:chExt cx="0" cy="0"/>
+        </a:xfrm>
+      </p:grpSpPr>
+      <p:sp>
+        <p:nvSpPr>
+          <p:cNvPr id="2" name="幻灯片图像占位符 1"/>
+          <p:cNvSpPr>
+            <a:spLocks noGrp="1" noRot="1" noChangeAspect="1"/>
+          </p:cNvSpPr>
+          <p:nvPr>
+            <p:ph type="sldImg"/>
+          </p:nvPr>
+        </p:nvSpPr>
+        <p:spPr/>
+      </p:sp>
+      <p:sp>
+        <p:nvSpPr>
+          <p:cNvPr id="3" name="备注占位符 2"/>
+          <p:cNvSpPr>
+            <a:spLocks noGrp="1"/>
+          </p:cNvSpPr>
+          <p:nvPr>
+            <p:ph type="body" idx="1"/>
+          </p:nvPr>
+        </p:nvSpPr>
+        <p:spPr/>
+        <p:txBody>
+          <a:bodyPr/>
+          <a:lstStyle/>
+          <a:p>
+            <a:endParaRPr lang="zh-CN" altLang="en-US" dirty="0">
+              <a:latin typeface="微软雅黑" panose="020B0503020204020204" pitchFamily="34" charset="-122"/>
+              <a:ea typeface="微软雅黑" panose="020B0503020204020204" pitchFamily="34" charset="-122"/>
+            </a:endParaRPr>
+          </a:p>
+        </p:txBody>
+      </p:sp>
+      <p:sp>
+        <p:nvSpPr>
+          <p:cNvPr id="4" name="幻灯片编号占位符 3"/>
+          <p:cNvSpPr>
+            <a:spLocks noGrp="1"/>
+          </p:cNvSpPr>
+          <p:nvPr>
+            <p:ph type="sldNum" sz="quarter" idx="10"/>
+          </p:nvPr>
+        </p:nvSpPr>
+        <p:spPr/>
+        <p:txBody>
+          <a:bodyPr/>
+          <a:lstStyle/>
+          <a:p>
+            <a:pPr rtl="0"/>
+            <a:fld id="{7FB667E1-E601-4AAF-B95C-B25720D70A60}" type="slidenum">
+              <a:rPr lang="en-US" altLang="zh-CN" smtClean="0">
+                <a:latin typeface="微软雅黑" panose="020B0503020204020204" pitchFamily="34" charset="-122"/>
+                <a:ea typeface="微软雅黑" panose="020B0503020204020204" pitchFamily="34" charset="-122"/>
+              </a:rPr>
+              <a:t>25</a:t>
+            </a:fld>
+            <a:endParaRPr lang="en-US" altLang="zh-CN">
+              <a:latin typeface="微软雅黑" panose="020B0503020204020204" pitchFamily="34" charset="-122"/>
+              <a:ea typeface="微软雅黑" panose="020B0503020204020204" pitchFamily="34" charset="-122"/>
+            </a:endParaRPr>
+          </a:p>
+        </p:txBody>
+      </p:sp>
+    </p:spTree>
+    <p:extLst>
+      <p:ext uri="{BB962C8B-B14F-4D97-AF65-F5344CB8AC3E}">
+        <p14:creationId xmlns:p14="http://schemas.microsoft.com/office/powerpoint/2010/main" val="2375013680"/>
+      </p:ext>
+    </p:extLst>
+  </p:cSld>
+  <p:clrMapOvr>
+    <a:masterClrMapping/>
+  </p:clrMapOvr>
+</p:notes>
+</file>
+
+<file path=ppt/notesSlides/notesSlide26.xml><?xml version="1.0" encoding="utf-8"?>
+<p:notes xmlns:a="http://schemas.openxmlformats.org/drawingml/2006/main" xmlns:r="http://schemas.openxmlformats.org/officeDocument/2006/relationships" xmlns:p="http://schemas.openxmlformats.org/presentationml/2006/main">
+  <p:cSld>
+    <p:spTree>
+      <p:nvGrpSpPr>
+        <p:cNvPr id="1" name=""/>
+        <p:cNvGrpSpPr/>
+        <p:nvPr/>
+      </p:nvGrpSpPr>
+      <p:grpSpPr>
+        <a:xfrm>
+          <a:off x="0" y="0"/>
+          <a:ext cx="0" cy="0"/>
+          <a:chOff x="0" y="0"/>
+          <a:chExt cx="0" cy="0"/>
+        </a:xfrm>
+      </p:grpSpPr>
+      <p:sp>
+        <p:nvSpPr>
+          <p:cNvPr id="2" name="幻灯片图像占位符 1"/>
+          <p:cNvSpPr>
+            <a:spLocks noGrp="1" noRot="1" noChangeAspect="1"/>
+          </p:cNvSpPr>
+          <p:nvPr>
+            <p:ph type="sldImg"/>
+          </p:nvPr>
+        </p:nvSpPr>
+        <p:spPr/>
+      </p:sp>
+      <p:sp>
+        <p:nvSpPr>
+          <p:cNvPr id="3" name="备注占位符 2"/>
+          <p:cNvSpPr>
+            <a:spLocks noGrp="1"/>
+          </p:cNvSpPr>
+          <p:nvPr>
+            <p:ph type="body" idx="1"/>
+          </p:nvPr>
+        </p:nvSpPr>
+        <p:spPr/>
+        <p:txBody>
+          <a:bodyPr/>
+          <a:lstStyle/>
+          <a:p>
+            <a:endParaRPr lang="zh-CN" altLang="en-US" dirty="0">
+              <a:latin typeface="微软雅黑" panose="020B0503020204020204" pitchFamily="34" charset="-122"/>
+              <a:ea typeface="微软雅黑" panose="020B0503020204020204" pitchFamily="34" charset="-122"/>
+            </a:endParaRPr>
+          </a:p>
+        </p:txBody>
+      </p:sp>
+      <p:sp>
+        <p:nvSpPr>
+          <p:cNvPr id="4" name="幻灯片编号占位符 3"/>
+          <p:cNvSpPr>
+            <a:spLocks noGrp="1"/>
+          </p:cNvSpPr>
+          <p:nvPr>
+            <p:ph type="sldNum" sz="quarter" idx="10"/>
+          </p:nvPr>
+        </p:nvSpPr>
+        <p:spPr/>
+        <p:txBody>
+          <a:bodyPr/>
+          <a:lstStyle/>
+          <a:p>
+            <a:pPr rtl="0"/>
+            <a:fld id="{7FB667E1-E601-4AAF-B95C-B25720D70A60}" type="slidenum">
+              <a:rPr lang="en-US" altLang="zh-CN" smtClean="0">
+                <a:latin typeface="微软雅黑" panose="020B0503020204020204" pitchFamily="34" charset="-122"/>
+                <a:ea typeface="微软雅黑" panose="020B0503020204020204" pitchFamily="34" charset="-122"/>
+              </a:rPr>
+              <a:t>26</a:t>
+            </a:fld>
+            <a:endParaRPr lang="en-US" altLang="zh-CN">
+              <a:latin typeface="微软雅黑" panose="020B0503020204020204" pitchFamily="34" charset="-122"/>
+              <a:ea typeface="微软雅黑" panose="020B0503020204020204" pitchFamily="34" charset="-122"/>
+            </a:endParaRPr>
+          </a:p>
+        </p:txBody>
+      </p:sp>
+    </p:spTree>
+    <p:extLst>
+      <p:ext uri="{BB962C8B-B14F-4D97-AF65-F5344CB8AC3E}">
+        <p14:creationId xmlns:p14="http://schemas.microsoft.com/office/powerpoint/2010/main" val="2311998451"/>
       </p:ext>
     </p:extLst>
   </p:cSld>
@@ -5974,7 +6639,7 @@
               <a:rPr lang="zh-CN" altLang="en-US" dirty="0" smtClean="0"/>
               <a:t>环境搭建与使用</a:t>
             </a:r>
-            <a:endParaRPr lang="zh-cn" dirty="0"/>
+            <a:endParaRPr lang="x-none" dirty="0"/>
           </a:p>
         </p:txBody>
       </p:sp>
@@ -5998,7 +6663,7 @@
               <a:rPr lang="zh-CN" altLang="en-US" dirty="0" smtClean="0"/>
               <a:t>组员：方娄昊，陈江涛，李琥，贾兴国，刘泽宇</a:t>
             </a:r>
-            <a:endParaRPr lang="zh-cn" dirty="0"/>
+            <a:endParaRPr lang="x-none" dirty="0"/>
           </a:p>
         </p:txBody>
       </p:sp>
@@ -6212,7 +6877,12 @@
             <p:ph type="title"/>
           </p:nvPr>
         </p:nvSpPr>
-        <p:spPr/>
+        <p:spPr>
+          <a:xfrm>
+            <a:off x="1295400" y="1092200"/>
+            <a:ext cx="9601200" cy="2495804"/>
+          </a:xfrm>
+        </p:spPr>
         <p:txBody>
           <a:bodyPr rtlCol="0"/>
           <a:lstStyle/>
@@ -6227,9 +6897,10 @@
               <a:t>实现</a:t>
             </a:r>
             <a:r>
-              <a:rPr lang="en-US" dirty="0"/>
+              <a:rPr lang="en-US" dirty="0" smtClean="0"/>
               <a:t>CD</a:t>
             </a:r>
+            <a:endParaRPr lang="en-US" dirty="0"/>
           </a:p>
         </p:txBody>
       </p:sp>
@@ -7178,10 +7849,20 @@
           </a:bodyPr>
           <a:lstStyle/>
           <a:p>
-            <a:r>
-              <a:rPr lang="en-US" altLang="zh-CN" sz="2400" dirty="0" smtClean="0"/>
-              <a:t>Step3</a:t>
-            </a:r>
+            <a:pPr lvl="0"/>
+            <a:r>
+              <a:rPr lang="en-US" altLang="zh-CN" sz="2800" dirty="0" smtClean="0">
+                <a:solidFill>
+                  <a:prstClr val="white"/>
+                </a:solidFill>
+              </a:rPr>
+              <a:t>Step4</a:t>
+            </a:r>
+            <a:endParaRPr lang="en-US" altLang="zh-CN" sz="2800" dirty="0">
+              <a:solidFill>
+                <a:prstClr val="white"/>
+              </a:solidFill>
+            </a:endParaRPr>
           </a:p>
           <a:p>
             <a:r>
@@ -7194,7 +7875,15 @@
             </a:r>
             <a:r>
               <a:rPr lang="en-US" sz="2400" dirty="0"/>
-              <a:t>create cd-test3 //</a:t>
+              <a:t>create </a:t>
+            </a:r>
+            <a:r>
+              <a:rPr lang="en-US" sz="2400" dirty="0" smtClean="0"/>
+              <a:t>cd-test </a:t>
+            </a:r>
+            <a:r>
+              <a:rPr lang="en-US" sz="2400" dirty="0"/>
+              <a:t>//</a:t>
             </a:r>
             <a:r>
               <a:rPr lang="zh-CN" altLang="en-US" sz="2400" dirty="0"/>
@@ -7209,11 +7898,11 @@
               <a:t>中创建</a:t>
             </a:r>
             <a:r>
-              <a:rPr lang="en-US" sz="2400" dirty="0"/>
-              <a:t>cd-test3</a:t>
-            </a:r>
-            <a:r>
-              <a:rPr lang="zh-CN" altLang="en-US" sz="2400" dirty="0"/>
+              <a:rPr lang="en-US" sz="2400" dirty="0" smtClean="0"/>
+              <a:t>cd-test</a:t>
+            </a:r>
+            <a:r>
+              <a:rPr lang="zh-CN" altLang="en-US" sz="2400" dirty="0" smtClean="0"/>
               <a:t>仓库</a:t>
             </a:r>
             <a:endParaRPr lang="en-US" sz="2400" dirty="0"/>
@@ -7507,16 +8196,38 @@
             <p:ph type="title"/>
           </p:nvPr>
         </p:nvSpPr>
-        <p:spPr/>
+        <p:spPr>
+          <a:xfrm>
+            <a:off x="1295400" y="1092200"/>
+            <a:ext cx="9601200" cy="2495804"/>
+          </a:xfrm>
+        </p:spPr>
         <p:txBody>
           <a:bodyPr rtlCol="0"/>
           <a:lstStyle/>
           <a:p>
-            <a:r>
-              <a:rPr lang="en-US" altLang="zh-CN" smtClean="0"/>
-              <a:t>Q&amp;A</a:t>
-            </a:r>
-            <a:endParaRPr lang="zh-cn" altLang="en-US" dirty="0"/>
+            <a:pPr lvl="0"/>
+            <a:r>
+              <a:rPr lang="en-US" altLang="zh-CN" dirty="0" err="1"/>
+              <a:t>Github</a:t>
+            </a:r>
+            <a:r>
+              <a:rPr lang="zh-CN" altLang="en-US" dirty="0"/>
+              <a:t> </a:t>
+            </a:r>
+            <a:r>
+              <a:rPr lang="en-US" altLang="zh-CN" dirty="0"/>
+              <a:t>Pages</a:t>
+            </a:r>
+            <a:r>
+              <a:rPr lang="zh-CN" altLang="en-US" dirty="0"/>
+              <a:t>实现</a:t>
+            </a:r>
+            <a:r>
+              <a:rPr lang="en-US" altLang="zh-CN" dirty="0" smtClean="0"/>
+              <a:t>CD</a:t>
+            </a:r>
+            <a:endParaRPr lang="en-US" dirty="0"/>
           </a:p>
         </p:txBody>
       </p:sp>
@@ -7543,7 +8254,7 @@
     </p:spTree>
     <p:extLst>
       <p:ext uri="{BB962C8B-B14F-4D97-AF65-F5344CB8AC3E}">
-        <p14:creationId xmlns:p14="http://schemas.microsoft.com/office/powerpoint/2010/main" val="221964372"/>
+        <p14:creationId xmlns:p14="http://schemas.microsoft.com/office/powerpoint/2010/main" val="232364385"/>
       </p:ext>
     </p:extLst>
   </p:cSld>
@@ -7591,7 +8302,7 @@
       </p:grpSpPr>
       <p:sp>
         <p:nvSpPr>
-          <p:cNvPr id="4" name="标题 3"/>
+          <p:cNvPr id="3" name="标题 2"/>
           <p:cNvSpPr>
             <a:spLocks noGrp="1"/>
           </p:cNvSpPr>
@@ -7599,43 +8310,159 @@
             <p:ph type="title"/>
           </p:nvPr>
         </p:nvSpPr>
-        <p:spPr/>
-        <p:txBody>
-          <a:bodyPr rtlCol="0"/>
-          <a:lstStyle/>
-          <a:p>
-            <a:r>
-              <a:rPr lang="en-US" altLang="zh-CN" dirty="0" smtClean="0"/>
-              <a:t>Thanks!</a:t>
-            </a:r>
-            <a:endParaRPr lang="zh-cn" altLang="en-US" dirty="0"/>
-          </a:p>
-        </p:txBody>
-      </p:sp>
-      <p:sp>
-        <p:nvSpPr>
-          <p:cNvPr id="5" name="文本占位符 4"/>
-          <p:cNvSpPr>
-            <a:spLocks noGrp="1"/>
-          </p:cNvSpPr>
-          <p:nvPr>
-            <p:ph type="body" idx="1"/>
-          </p:nvPr>
-        </p:nvSpPr>
-        <p:spPr/>
-        <p:txBody>
-          <a:bodyPr rtlCol="0"/>
-          <a:lstStyle/>
-          <a:p>
-            <a:pPr rtl="0"/>
-            <a:endParaRPr lang="en-US"/>
+        <p:spPr>
+          <a:xfrm>
+            <a:off x="7527151" y="2332019"/>
+            <a:ext cx="4206240" cy="660816"/>
+          </a:xfrm>
+        </p:spPr>
+        <p:txBody>
+          <a:bodyPr rtlCol="0">
+            <a:normAutofit fontScale="90000"/>
+          </a:bodyPr>
+          <a:lstStyle/>
+          <a:p>
+            <a:pPr lvl="0"/>
+            <a:r>
+              <a:rPr lang="en-US" altLang="zh-CN" sz="3600" dirty="0" err="1" smtClean="0"/>
+              <a:t>Github</a:t>
+            </a:r>
+            <a:r>
+              <a:rPr lang="zh-CN" altLang="en-US" sz="3600" dirty="0" smtClean="0"/>
+              <a:t> </a:t>
+            </a:r>
+            <a:r>
+              <a:rPr lang="en-US" altLang="zh-CN" sz="3600" dirty="0" smtClean="0"/>
+              <a:t>Pages</a:t>
+            </a:r>
+            <a:r>
+              <a:rPr lang="zh-CN" altLang="en-US" sz="3600" dirty="0" smtClean="0"/>
+              <a:t>实现</a:t>
+            </a:r>
+            <a:r>
+              <a:rPr lang="en-US" sz="3600" dirty="0"/>
+              <a:t>CD</a:t>
+            </a:r>
+          </a:p>
+        </p:txBody>
+      </p:sp>
+      <p:sp>
+        <p:nvSpPr>
+          <p:cNvPr id="5" name="图片占位符 4" descr="为添加图像预留的空占位符。单击占位符，选择要添加的图像"/>
+          <p:cNvSpPr>
+            <a:spLocks noGrp="1"/>
+          </p:cNvSpPr>
+          <p:nvPr>
+            <p:ph type="pic" idx="1"/>
+          </p:nvPr>
+        </p:nvSpPr>
+        <p:spPr/>
+      </p:sp>
+      <p:sp>
+        <p:nvSpPr>
+          <p:cNvPr id="7" name="文本占位符 6"/>
+          <p:cNvSpPr>
+            <a:spLocks noGrp="1"/>
+          </p:cNvSpPr>
+          <p:nvPr>
+            <p:ph type="body" sz="half" idx="2"/>
+          </p:nvPr>
+        </p:nvSpPr>
+        <p:spPr>
+          <a:xfrm>
+            <a:off x="824599" y="1513088"/>
+            <a:ext cx="4206240" cy="3822679"/>
+          </a:xfrm>
+        </p:spPr>
+        <p:txBody>
+          <a:bodyPr rtlCol="0">
+            <a:noAutofit/>
+          </a:bodyPr>
+          <a:lstStyle/>
+          <a:p>
+            <a:r>
+              <a:rPr lang="zh-CN" altLang="en-US" sz="3200" b="1" dirty="0" smtClean="0">
+                <a:solidFill>
+                  <a:sysClr val="windowText" lastClr="000000"/>
+                </a:solidFill>
+              </a:rPr>
+              <a:t>简介</a:t>
+            </a:r>
+            <a:endParaRPr lang="en-US" altLang="zh-CN" sz="3200" b="1" dirty="0" smtClean="0">
+              <a:solidFill>
+                <a:sysClr val="windowText" lastClr="000000"/>
+              </a:solidFill>
+            </a:endParaRPr>
+          </a:p>
+          <a:p>
+            <a:r>
+              <a:rPr lang="en-US" altLang="zh-CN" sz="3200" b="1" dirty="0" smtClean="0">
+                <a:solidFill>
+                  <a:sysClr val="windowText" lastClr="000000"/>
+                </a:solidFill>
+              </a:rPr>
+              <a:t>GitHub </a:t>
+            </a:r>
+            <a:r>
+              <a:rPr lang="en-US" altLang="zh-CN" sz="3200" b="1" dirty="0">
+                <a:solidFill>
+                  <a:sysClr val="windowText" lastClr="000000"/>
+                </a:solidFill>
+              </a:rPr>
+              <a:t>Pages </a:t>
+            </a:r>
+            <a:r>
+              <a:rPr lang="zh-CN" altLang="en-US" sz="3200" b="1" dirty="0">
+                <a:solidFill>
+                  <a:sysClr val="windowText" lastClr="000000"/>
+                </a:solidFill>
+              </a:rPr>
+              <a:t>是</a:t>
+            </a:r>
+            <a:r>
+              <a:rPr lang="zh-CN" altLang="en-US" sz="3200" b="1" dirty="0" smtClean="0">
+                <a:solidFill>
+                  <a:sysClr val="windowText" lastClr="000000"/>
+                </a:solidFill>
+              </a:rPr>
+              <a:t>通过</a:t>
+            </a:r>
+            <a:r>
+              <a:rPr lang="en-US" altLang="zh-CN" sz="3200" b="1" dirty="0" err="1" smtClean="0">
+                <a:solidFill>
+                  <a:sysClr val="windowText" lastClr="000000"/>
+                </a:solidFill>
+              </a:rPr>
+              <a:t>Github</a:t>
+            </a:r>
+            <a:r>
+              <a:rPr lang="zh-CN" altLang="en-US" sz="3200" b="1" dirty="0" smtClean="0">
+                <a:solidFill>
+                  <a:sysClr val="windowText" lastClr="000000"/>
+                </a:solidFill>
+              </a:rPr>
+              <a:t>网站</a:t>
+            </a:r>
+            <a:r>
+              <a:rPr lang="zh-CN" altLang="en-US" sz="3200" b="1" dirty="0">
+                <a:solidFill>
+                  <a:sysClr val="windowText" lastClr="000000"/>
+                </a:solidFill>
+              </a:rPr>
+              <a:t>托管和发布的公开网页。</a:t>
+            </a:r>
+            <a:endParaRPr lang="en-US" sz="3200" b="1" dirty="0" smtClean="0">
+              <a:solidFill>
+                <a:sysClr val="windowText" lastClr="000000"/>
+              </a:solidFill>
+            </a:endParaRPr>
           </a:p>
         </p:txBody>
       </p:sp>
     </p:spTree>
     <p:extLst>
       <p:ext uri="{BB962C8B-B14F-4D97-AF65-F5344CB8AC3E}">
-        <p14:creationId xmlns:p14="http://schemas.microsoft.com/office/powerpoint/2010/main" val="2429474892"/>
+        <p14:creationId xmlns:p14="http://schemas.microsoft.com/office/powerpoint/2010/main" val="1414560682"/>
       </p:ext>
     </p:extLst>
   </p:cSld>
@@ -7703,7 +8530,7 @@
               <a:rPr lang="zh-CN" altLang="en-US" sz="6000" dirty="0" smtClean="0"/>
               <a:t>实现方式</a:t>
             </a:r>
-            <a:endParaRPr lang="zh-cn" sz="6000" dirty="0"/>
+            <a:endParaRPr lang="x-none" sz="6000" dirty="0"/>
           </a:p>
         </p:txBody>
       </p:sp>
@@ -7737,7 +8564,7 @@
               <a:rPr lang="en-US" altLang="zh-CN" sz="2800" dirty="0" smtClean="0"/>
               <a:t>CI</a:t>
             </a:r>
-            <a:endParaRPr lang="zh-cn" sz="2800" dirty="0"/>
+            <a:endParaRPr lang="x-none" sz="2800" dirty="0"/>
           </a:p>
           <a:p>
             <a:pPr lvl="0"/>
@@ -7752,6 +8579,38 @@
             <a:r>
               <a:rPr lang="en-US" sz="2800" dirty="0" smtClean="0"/>
               <a:t>CD</a:t>
+            </a:r>
+            <a:r>
+              <a:rPr lang="zh-CN" altLang="en-US" sz="2800" dirty="0" smtClean="0"/>
+              <a:t>（手动实现）</a:t>
+            </a:r>
+            <a:endParaRPr lang="en-US" altLang="zh-CN" sz="2800" dirty="0" smtClean="0"/>
+          </a:p>
+          <a:p>
+            <a:pPr lvl="0"/>
+            <a:r>
+              <a:rPr lang="en-US" altLang="zh-CN" sz="2800" dirty="0" err="1" smtClean="0"/>
+              <a:t>Github</a:t>
+            </a:r>
+            <a:r>
+              <a:rPr lang="zh-CN" altLang="en-US" sz="2800" dirty="0" smtClean="0"/>
+              <a:t> </a:t>
+            </a:r>
+            <a:r>
+              <a:rPr lang="en-US" altLang="zh-CN" sz="2800" dirty="0" smtClean="0"/>
+              <a:t>Pages</a:t>
+            </a:r>
+            <a:r>
+              <a:rPr lang="zh-CN" altLang="en-US" sz="2800" dirty="0" smtClean="0"/>
+              <a:t>实现</a:t>
+            </a:r>
+            <a:r>
+              <a:rPr lang="en-US" altLang="zh-CN" sz="2800" dirty="0" smtClean="0"/>
+              <a:t>CD</a:t>
+            </a:r>
+            <a:r>
+              <a:rPr lang="zh-CN" altLang="en-US" sz="2800" dirty="0" smtClean="0"/>
+              <a:t>（自动实现）</a:t>
             </a:r>
             <a:endParaRPr lang="en-US" sz="2800" dirty="0"/>
           </a:p>
@@ -7761,6 +8620,1158 @@
     <p:extLst>
       <p:ext uri="{BB962C8B-B14F-4D97-AF65-F5344CB8AC3E}">
         <p14:creationId xmlns:p14="http://schemas.microsoft.com/office/powerpoint/2010/main" val="2771859900"/>
+      </p:ext>
+    </p:extLst>
+  </p:cSld>
+  <p:clrMapOvr>
+    <a:masterClrMapping/>
+  </p:clrMapOvr>
+  <mc:AlternateContent xmlns:mc="http://schemas.openxmlformats.org/markup-compatibility/2006" xmlns:p14="http://schemas.microsoft.com/office/powerpoint/2010/main">
+    <mc:Choice Requires="p14">
+      <p:transition spd="med" p14:dur="700">
+        <p:fade/>
+      </p:transition>
+    </mc:Choice>
+    <mc:Fallback xmlns="">
+      <p:transition spd="med">
+        <p:fade/>
+      </p:transition>
+    </mc:Fallback>
+  </mc:AlternateContent>
+  <p:timing>
+    <p:tnLst>
+      <p:par>
+        <p:cTn id="1" dur="indefinite" restart="never" nodeType="tmRoot"/>
+      </p:par>
+    </p:tnLst>
+  </p:timing>
+</p:sld>
+</file>
+
+<file path=ppt/slides/slide20.xml><?xml version="1.0" encoding="utf-8"?>
+<p:sld xmlns:a="http://schemas.openxmlformats.org/drawingml/2006/main" xmlns:r="http://schemas.openxmlformats.org/officeDocument/2006/relationships" xmlns:p="http://schemas.openxmlformats.org/presentationml/2006/main">
+  <p:cSld>
+    <p:spTree>
+      <p:nvGrpSpPr>
+        <p:cNvPr id="1" name=""/>
+        <p:cNvGrpSpPr/>
+        <p:nvPr/>
+      </p:nvGrpSpPr>
+      <p:grpSpPr>
+        <a:xfrm>
+          <a:off x="0" y="0"/>
+          <a:ext cx="0" cy="0"/>
+          <a:chOff x="0" y="0"/>
+          <a:chExt cx="0" cy="0"/>
+        </a:xfrm>
+      </p:grpSpPr>
+      <p:sp>
+        <p:nvSpPr>
+          <p:cNvPr id="2" name="标题 1"/>
+          <p:cNvSpPr>
+            <a:spLocks noGrp="1"/>
+          </p:cNvSpPr>
+          <p:nvPr>
+            <p:ph type="title"/>
+          </p:nvPr>
+        </p:nvSpPr>
+        <p:spPr>
+          <a:xfrm>
+            <a:off x="387810" y="102238"/>
+            <a:ext cx="9509760" cy="1233424"/>
+          </a:xfrm>
+        </p:spPr>
+        <p:txBody>
+          <a:bodyPr rtlCol="0"/>
+          <a:lstStyle/>
+          <a:p>
+            <a:pPr lvl="0"/>
+            <a:r>
+              <a:rPr lang="en-US" altLang="zh-CN" sz="3200" dirty="0" err="1" smtClean="0"/>
+              <a:t>Github</a:t>
+            </a:r>
+            <a:r>
+              <a:rPr lang="zh-CN" altLang="en-US" sz="3200" dirty="0" smtClean="0"/>
+              <a:t> </a:t>
+            </a:r>
+            <a:r>
+              <a:rPr lang="en-US" altLang="zh-CN" sz="3200" dirty="0" smtClean="0"/>
+              <a:t>Pages</a:t>
+            </a:r>
+            <a:r>
+              <a:rPr lang="zh-CN" altLang="en-US" sz="3200" dirty="0" smtClean="0"/>
+              <a:t>实现</a:t>
+            </a:r>
+            <a:r>
+              <a:rPr lang="en-US" sz="3200" dirty="0"/>
+              <a:t>CD</a:t>
+            </a:r>
+            <a:endParaRPr lang="en-US" dirty="0"/>
+          </a:p>
+        </p:txBody>
+      </p:sp>
+      <p:sp>
+        <p:nvSpPr>
+          <p:cNvPr id="3" name="内容占位符 2"/>
+          <p:cNvSpPr>
+            <a:spLocks noGrp="1"/>
+          </p:cNvSpPr>
+          <p:nvPr>
+            <p:ph sz="half" idx="1"/>
+          </p:nvPr>
+        </p:nvSpPr>
+        <p:spPr>
+          <a:xfrm>
+            <a:off x="387810" y="1843586"/>
+            <a:ext cx="8425990" cy="4123944"/>
+          </a:xfrm>
+        </p:spPr>
+        <p:txBody>
+          <a:bodyPr rtlCol="0">
+            <a:normAutofit/>
+          </a:bodyPr>
+          <a:lstStyle/>
+          <a:p>
+            <a:r>
+              <a:rPr lang="en-US" altLang="zh-CN" sz="2400" dirty="0" smtClean="0"/>
+              <a:t>Step1</a:t>
+            </a:r>
+            <a:endParaRPr lang="en-US" altLang="zh-CN" sz="2400" dirty="0" smtClean="0"/>
+          </a:p>
+          <a:p>
+            <a:r>
+              <a:rPr lang="zh-CN" altLang="en-US" sz="2400" dirty="0" smtClean="0"/>
+              <a:t>更改</a:t>
+            </a:r>
+            <a:r>
+              <a:rPr lang="en-US" altLang="zh-CN" sz="2400" b="1" dirty="0"/>
+              <a:t>.</a:t>
+            </a:r>
+            <a:r>
+              <a:rPr lang="en-US" altLang="zh-CN" sz="2400" b="1" dirty="0" err="1" smtClean="0"/>
+              <a:t>travis.yml</a:t>
+            </a:r>
+            <a:r>
+              <a:rPr lang="zh-CN" altLang="en-US" sz="2400" dirty="0" smtClean="0"/>
+              <a:t>配置文件，再测试之后运行 </a:t>
+            </a:r>
+            <a:endParaRPr lang="en-US" altLang="zh-CN" sz="2400" dirty="0" smtClean="0"/>
+          </a:p>
+          <a:p>
+            <a:r>
+              <a:rPr lang="en-US" altLang="zh-CN" sz="2400" dirty="0" err="1" smtClean="0"/>
+              <a:t>npm</a:t>
+            </a:r>
+            <a:r>
+              <a:rPr lang="zh-CN" altLang="en-US" sz="2400" dirty="0" smtClean="0"/>
+              <a:t> </a:t>
+            </a:r>
+            <a:r>
+              <a:rPr lang="en-US" altLang="zh-CN" sz="2400" dirty="0" smtClean="0"/>
+              <a:t>run</a:t>
+            </a:r>
+            <a:r>
+              <a:rPr lang="zh-CN" altLang="en-US" sz="2400" dirty="0" smtClean="0"/>
+              <a:t> </a:t>
+            </a:r>
+            <a:r>
+              <a:rPr lang="en-US" altLang="zh-CN" sz="2400" dirty="0" smtClean="0"/>
+              <a:t>build</a:t>
+            </a:r>
+            <a:r>
+              <a:rPr lang="zh-CN" altLang="en-US" sz="2400" dirty="0" smtClean="0"/>
+              <a:t> 生产</a:t>
+            </a:r>
+            <a:r>
+              <a:rPr lang="en-US" altLang="zh-CN" sz="2400" dirty="0" err="1" smtClean="0"/>
+              <a:t>dist</a:t>
+            </a:r>
+            <a:r>
+              <a:rPr lang="zh-CN" altLang="en-US" sz="2400" dirty="0" smtClean="0"/>
+              <a:t>文件，并凭借</a:t>
+            </a:r>
+            <a:r>
+              <a:rPr lang="en-US" altLang="zh-CN" sz="2400" dirty="0" smtClean="0"/>
+              <a:t>GH_TOKEN</a:t>
+            </a:r>
+          </a:p>
+          <a:p>
+            <a:r>
+              <a:rPr lang="zh-CN" altLang="en-US" sz="2400" dirty="0" smtClean="0"/>
+              <a:t>将该静态文件部署到</a:t>
+            </a:r>
+            <a:r>
+              <a:rPr lang="en-US" altLang="zh-CN" sz="2400" dirty="0" err="1" smtClean="0"/>
+              <a:t>Github</a:t>
+            </a:r>
+            <a:r>
+              <a:rPr lang="zh-CN" altLang="en-US" sz="2400" dirty="0" smtClean="0"/>
+              <a:t> </a:t>
+            </a:r>
+            <a:r>
+              <a:rPr lang="en-US" altLang="zh-CN" sz="2400" dirty="0" smtClean="0"/>
+              <a:t>Pages</a:t>
+            </a:r>
+            <a:r>
+              <a:rPr lang="zh-CN" altLang="en-US" sz="2400" dirty="0" smtClean="0"/>
+              <a:t>上。</a:t>
+            </a:r>
+            <a:endParaRPr lang="en-US" sz="2400" dirty="0"/>
+          </a:p>
+        </p:txBody>
+      </p:sp>
+      <p:pic>
+        <p:nvPicPr>
+          <p:cNvPr id="5" name="图片 4"/>
+          <p:cNvPicPr>
+            <a:picLocks noChangeAspect="1"/>
+          </p:cNvPicPr>
+          <p:nvPr/>
+        </p:nvPicPr>
+        <p:blipFill>
+          <a:blip r:embed="rId3">
+            <a:extLst>
+              <a:ext uri="{28A0092B-C50C-407E-A947-70E740481C1C}">
+                <a14:useLocalDpi xmlns:a14="http://schemas.microsoft.com/office/drawing/2010/main" val="0"/>
+              </a:ext>
+            </a:extLst>
+          </a:blip>
+          <a:stretch>
+            <a:fillRect/>
+          </a:stretch>
+        </p:blipFill>
+        <p:spPr>
+          <a:xfrm>
+            <a:off x="7753082" y="1189507"/>
+            <a:ext cx="3013119" cy="2480972"/>
+          </a:xfrm>
+          <a:prstGeom prst="rect">
+            <a:avLst/>
+          </a:prstGeom>
+        </p:spPr>
+      </p:pic>
+    </p:spTree>
+    <p:extLst>
+      <p:ext uri="{BB962C8B-B14F-4D97-AF65-F5344CB8AC3E}">
+        <p14:creationId xmlns:p14="http://schemas.microsoft.com/office/powerpoint/2010/main" val="1262311895"/>
+      </p:ext>
+    </p:extLst>
+  </p:cSld>
+  <p:clrMapOvr>
+    <a:masterClrMapping/>
+  </p:clrMapOvr>
+  <mc:AlternateContent xmlns:mc="http://schemas.openxmlformats.org/markup-compatibility/2006" xmlns:p14="http://schemas.microsoft.com/office/powerpoint/2010/main">
+    <mc:Choice Requires="p14">
+      <p:transition spd="med" p14:dur="700">
+        <p:fade/>
+      </p:transition>
+    </mc:Choice>
+    <mc:Fallback xmlns="">
+      <p:transition spd="med">
+        <p:fade/>
+      </p:transition>
+    </mc:Fallback>
+  </mc:AlternateContent>
+  <p:timing>
+    <p:tnLst>
+      <p:par>
+        <p:cTn id="1" dur="indefinite" restart="never" nodeType="tmRoot"/>
+      </p:par>
+    </p:tnLst>
+  </p:timing>
+</p:sld>
+</file>
+
+<file path=ppt/slides/slide21.xml><?xml version="1.0" encoding="utf-8"?>
+<p:sld xmlns:a="http://schemas.openxmlformats.org/drawingml/2006/main" xmlns:r="http://schemas.openxmlformats.org/officeDocument/2006/relationships" xmlns:p="http://schemas.openxmlformats.org/presentationml/2006/main">
+  <p:cSld>
+    <p:spTree>
+      <p:nvGrpSpPr>
+        <p:cNvPr id="1" name=""/>
+        <p:cNvGrpSpPr/>
+        <p:nvPr/>
+      </p:nvGrpSpPr>
+      <p:grpSpPr>
+        <a:xfrm>
+          <a:off x="0" y="0"/>
+          <a:ext cx="0" cy="0"/>
+          <a:chOff x="0" y="0"/>
+          <a:chExt cx="0" cy="0"/>
+        </a:xfrm>
+      </p:grpSpPr>
+      <p:sp>
+        <p:nvSpPr>
+          <p:cNvPr id="2" name="标题 1"/>
+          <p:cNvSpPr>
+            <a:spLocks noGrp="1"/>
+          </p:cNvSpPr>
+          <p:nvPr>
+            <p:ph type="title"/>
+          </p:nvPr>
+        </p:nvSpPr>
+        <p:spPr>
+          <a:xfrm>
+            <a:off x="387810" y="102238"/>
+            <a:ext cx="9509760" cy="1233424"/>
+          </a:xfrm>
+        </p:spPr>
+        <p:txBody>
+          <a:bodyPr rtlCol="0"/>
+          <a:lstStyle/>
+          <a:p>
+            <a:pPr lvl="0"/>
+            <a:r>
+              <a:rPr lang="en-US" altLang="zh-CN" sz="3200" dirty="0" err="1" smtClean="0"/>
+              <a:t>Github</a:t>
+            </a:r>
+            <a:r>
+              <a:rPr lang="zh-CN" altLang="en-US" sz="3200" dirty="0" smtClean="0"/>
+              <a:t> </a:t>
+            </a:r>
+            <a:r>
+              <a:rPr lang="en-US" altLang="zh-CN" sz="3200" dirty="0" smtClean="0"/>
+              <a:t>Pages</a:t>
+            </a:r>
+            <a:r>
+              <a:rPr lang="zh-CN" altLang="en-US" sz="3200" dirty="0" smtClean="0"/>
+              <a:t>实现</a:t>
+            </a:r>
+            <a:r>
+              <a:rPr lang="en-US" sz="3200" dirty="0"/>
+              <a:t>CD</a:t>
+            </a:r>
+            <a:endParaRPr lang="en-US" dirty="0"/>
+          </a:p>
+        </p:txBody>
+      </p:sp>
+      <p:sp>
+        <p:nvSpPr>
+          <p:cNvPr id="3" name="内容占位符 2"/>
+          <p:cNvSpPr>
+            <a:spLocks noGrp="1"/>
+          </p:cNvSpPr>
+          <p:nvPr>
+            <p:ph sz="half" idx="1"/>
+          </p:nvPr>
+        </p:nvSpPr>
+        <p:spPr>
+          <a:xfrm>
+            <a:off x="387810" y="1843586"/>
+            <a:ext cx="8425990" cy="4123944"/>
+          </a:xfrm>
+        </p:spPr>
+        <p:txBody>
+          <a:bodyPr rtlCol="0">
+            <a:normAutofit/>
+          </a:bodyPr>
+          <a:lstStyle/>
+          <a:p>
+            <a:r>
+              <a:rPr lang="en-US" altLang="zh-CN" sz="2400" dirty="0" smtClean="0"/>
+              <a:t>Step2</a:t>
+            </a:r>
+            <a:endParaRPr lang="en-US" altLang="zh-CN" sz="2400" dirty="0" smtClean="0"/>
+          </a:p>
+          <a:p>
+            <a:r>
+              <a:rPr lang="zh-CN" altLang="en-US" sz="2400" dirty="0" smtClean="0"/>
+              <a:t>设置</a:t>
+            </a:r>
+            <a:r>
+              <a:rPr lang="en-US" altLang="zh-CN" sz="2400" dirty="0" smtClean="0"/>
+              <a:t>Personal</a:t>
+            </a:r>
+            <a:r>
+              <a:rPr lang="zh-CN" altLang="en-US" sz="2400" dirty="0" smtClean="0"/>
+              <a:t> </a:t>
+            </a:r>
+            <a:r>
+              <a:rPr lang="en-US" altLang="zh-CN" sz="2400" dirty="0" smtClean="0"/>
+              <a:t>access</a:t>
+            </a:r>
+            <a:r>
+              <a:rPr lang="zh-CN" altLang="en-US" sz="2400" dirty="0" smtClean="0"/>
+              <a:t> </a:t>
+            </a:r>
+            <a:r>
+              <a:rPr lang="en-US" altLang="zh-CN" sz="2400" dirty="0" smtClean="0"/>
+              <a:t>tokens</a:t>
+            </a:r>
+            <a:r>
+              <a:rPr lang="zh-CN" altLang="en-US" sz="2400" dirty="0" smtClean="0"/>
+              <a:t>，给予</a:t>
+            </a:r>
+            <a:r>
+              <a:rPr lang="en-US" altLang="zh-CN" sz="2400" dirty="0" err="1" smtClean="0"/>
+              <a:t>travis</a:t>
+            </a:r>
+            <a:r>
+              <a:rPr lang="zh-CN" altLang="en-US" sz="2400" dirty="0" smtClean="0"/>
+              <a:t>权限</a:t>
+            </a:r>
+            <a:endParaRPr lang="en-US" sz="2400" dirty="0"/>
+          </a:p>
+        </p:txBody>
+      </p:sp>
+      <p:pic>
+        <p:nvPicPr>
+          <p:cNvPr id="4" name="图片 3"/>
+          <p:cNvPicPr>
+            <a:picLocks noChangeAspect="1"/>
+          </p:cNvPicPr>
+          <p:nvPr/>
+        </p:nvPicPr>
+        <p:blipFill>
+          <a:blip r:embed="rId3">
+            <a:extLst>
+              <a:ext uri="{28A0092B-C50C-407E-A947-70E740481C1C}">
+                <a14:useLocalDpi xmlns:a14="http://schemas.microsoft.com/office/drawing/2010/main" val="0"/>
+              </a:ext>
+            </a:extLst>
+          </a:blip>
+          <a:stretch>
+            <a:fillRect/>
+          </a:stretch>
+        </p:blipFill>
+        <p:spPr>
+          <a:xfrm>
+            <a:off x="0" y="3080925"/>
+            <a:ext cx="12192000" cy="3483429"/>
+          </a:xfrm>
+          <a:prstGeom prst="rect">
+            <a:avLst/>
+          </a:prstGeom>
+        </p:spPr>
+      </p:pic>
+    </p:spTree>
+    <p:extLst>
+      <p:ext uri="{BB962C8B-B14F-4D97-AF65-F5344CB8AC3E}">
+        <p14:creationId xmlns:p14="http://schemas.microsoft.com/office/powerpoint/2010/main" val="1852216641"/>
+      </p:ext>
+    </p:extLst>
+  </p:cSld>
+  <p:clrMapOvr>
+    <a:masterClrMapping/>
+  </p:clrMapOvr>
+  <mc:AlternateContent xmlns:mc="http://schemas.openxmlformats.org/markup-compatibility/2006" xmlns:p14="http://schemas.microsoft.com/office/powerpoint/2010/main">
+    <mc:Choice Requires="p14">
+      <p:transition spd="med" p14:dur="700">
+        <p:fade/>
+      </p:transition>
+    </mc:Choice>
+    <mc:Fallback xmlns="">
+      <p:transition spd="med">
+        <p:fade/>
+      </p:transition>
+    </mc:Fallback>
+  </mc:AlternateContent>
+  <p:timing>
+    <p:tnLst>
+      <p:par>
+        <p:cTn id="1" dur="indefinite" restart="never" nodeType="tmRoot"/>
+      </p:par>
+    </p:tnLst>
+  </p:timing>
+</p:sld>
+</file>
+
+<file path=ppt/slides/slide22.xml><?xml version="1.0" encoding="utf-8"?>
+<p:sld xmlns:a="http://schemas.openxmlformats.org/drawingml/2006/main" xmlns:r="http://schemas.openxmlformats.org/officeDocument/2006/relationships" xmlns:p="http://schemas.openxmlformats.org/presentationml/2006/main">
+  <p:cSld>
+    <p:spTree>
+      <p:nvGrpSpPr>
+        <p:cNvPr id="1" name=""/>
+        <p:cNvGrpSpPr/>
+        <p:nvPr/>
+      </p:nvGrpSpPr>
+      <p:grpSpPr>
+        <a:xfrm>
+          <a:off x="0" y="0"/>
+          <a:ext cx="0" cy="0"/>
+          <a:chOff x="0" y="0"/>
+          <a:chExt cx="0" cy="0"/>
+        </a:xfrm>
+      </p:grpSpPr>
+      <p:sp>
+        <p:nvSpPr>
+          <p:cNvPr id="2" name="标题 1"/>
+          <p:cNvSpPr>
+            <a:spLocks noGrp="1"/>
+          </p:cNvSpPr>
+          <p:nvPr>
+            <p:ph type="title"/>
+          </p:nvPr>
+        </p:nvSpPr>
+        <p:spPr>
+          <a:xfrm>
+            <a:off x="387810" y="102238"/>
+            <a:ext cx="9509760" cy="1233424"/>
+          </a:xfrm>
+        </p:spPr>
+        <p:txBody>
+          <a:bodyPr rtlCol="0"/>
+          <a:lstStyle/>
+          <a:p>
+            <a:pPr lvl="0"/>
+            <a:r>
+              <a:rPr lang="en-US" altLang="zh-CN" sz="3200" dirty="0" err="1" smtClean="0"/>
+              <a:t>Github</a:t>
+            </a:r>
+            <a:r>
+              <a:rPr lang="zh-CN" altLang="en-US" sz="3200" dirty="0" smtClean="0"/>
+              <a:t> </a:t>
+            </a:r>
+            <a:r>
+              <a:rPr lang="en-US" altLang="zh-CN" sz="3200" dirty="0" smtClean="0"/>
+              <a:t>Pages</a:t>
+            </a:r>
+            <a:r>
+              <a:rPr lang="zh-CN" altLang="en-US" sz="3200" dirty="0" smtClean="0"/>
+              <a:t>实现</a:t>
+            </a:r>
+            <a:r>
+              <a:rPr lang="en-US" sz="3200" dirty="0"/>
+              <a:t>CD</a:t>
+            </a:r>
+            <a:endParaRPr lang="en-US" dirty="0"/>
+          </a:p>
+        </p:txBody>
+      </p:sp>
+      <p:sp>
+        <p:nvSpPr>
+          <p:cNvPr id="3" name="内容占位符 2"/>
+          <p:cNvSpPr>
+            <a:spLocks noGrp="1"/>
+          </p:cNvSpPr>
+          <p:nvPr>
+            <p:ph sz="half" idx="1"/>
+          </p:nvPr>
+        </p:nvSpPr>
+        <p:spPr>
+          <a:xfrm>
+            <a:off x="387810" y="1843586"/>
+            <a:ext cx="8425990" cy="4123944"/>
+          </a:xfrm>
+        </p:spPr>
+        <p:txBody>
+          <a:bodyPr rtlCol="0">
+            <a:normAutofit/>
+          </a:bodyPr>
+          <a:lstStyle/>
+          <a:p>
+            <a:r>
+              <a:rPr lang="en-US" altLang="zh-CN" sz="2400" dirty="0" smtClean="0"/>
+              <a:t>Step3</a:t>
+            </a:r>
+            <a:endParaRPr lang="en-US" altLang="zh-CN" sz="2400" dirty="0" smtClean="0"/>
+          </a:p>
+          <a:p>
+            <a:r>
+              <a:rPr lang="zh-CN" altLang="en-US" sz="2400" dirty="0" smtClean="0"/>
+              <a:t>设置环境变量，</a:t>
+            </a:r>
+            <a:r>
+              <a:rPr lang="en-US" altLang="zh-CN" sz="2400" dirty="0" smtClean="0"/>
+              <a:t>GH_TOKEN</a:t>
+            </a:r>
+            <a:r>
+              <a:rPr lang="zh-CN" altLang="en-US" sz="2400" dirty="0" smtClean="0"/>
+              <a:t>的值</a:t>
+            </a:r>
+            <a:endParaRPr lang="en-US" altLang="zh-CN" sz="2400" dirty="0" smtClean="0"/>
+          </a:p>
+          <a:p>
+            <a:endParaRPr lang="en-US" sz="2400" dirty="0"/>
+          </a:p>
+          <a:p>
+            <a:endParaRPr lang="en-US" sz="2400" dirty="0" smtClean="0"/>
+          </a:p>
+          <a:p>
+            <a:r>
+              <a:rPr lang="zh-CN" altLang="en-US" sz="2400" dirty="0" smtClean="0"/>
+              <a:t>结果</a:t>
+            </a:r>
+            <a:endParaRPr lang="en-US" sz="2400" dirty="0"/>
+          </a:p>
+        </p:txBody>
+      </p:sp>
+      <p:pic>
+        <p:nvPicPr>
+          <p:cNvPr id="5" name="图片 4"/>
+          <p:cNvPicPr>
+            <a:picLocks noChangeAspect="1"/>
+          </p:cNvPicPr>
+          <p:nvPr/>
+        </p:nvPicPr>
+        <p:blipFill>
+          <a:blip r:embed="rId3">
+            <a:extLst>
+              <a:ext uri="{28A0092B-C50C-407E-A947-70E740481C1C}">
+                <a14:useLocalDpi xmlns:a14="http://schemas.microsoft.com/office/drawing/2010/main" val="0"/>
+              </a:ext>
+            </a:extLst>
+          </a:blip>
+          <a:stretch>
+            <a:fillRect/>
+          </a:stretch>
+        </p:blipFill>
+        <p:spPr>
+          <a:xfrm>
+            <a:off x="0" y="5033357"/>
+            <a:ext cx="12192000" cy="479057"/>
+          </a:xfrm>
+          <a:prstGeom prst="rect">
+            <a:avLst/>
+          </a:prstGeom>
+        </p:spPr>
+      </p:pic>
+      <p:pic>
+        <p:nvPicPr>
+          <p:cNvPr id="6" name="图片 5"/>
+          <p:cNvPicPr>
+            <a:picLocks noChangeAspect="1"/>
+          </p:cNvPicPr>
+          <p:nvPr/>
+        </p:nvPicPr>
+        <p:blipFill>
+          <a:blip r:embed="rId4">
+            <a:extLst>
+              <a:ext uri="{28A0092B-C50C-407E-A947-70E740481C1C}">
+                <a14:useLocalDpi xmlns:a14="http://schemas.microsoft.com/office/drawing/2010/main" val="0"/>
+              </a:ext>
+            </a:extLst>
+          </a:blip>
+          <a:stretch>
+            <a:fillRect/>
+          </a:stretch>
+        </p:blipFill>
+        <p:spPr>
+          <a:xfrm>
+            <a:off x="0" y="3199569"/>
+            <a:ext cx="12192000" cy="477805"/>
+          </a:xfrm>
+          <a:prstGeom prst="rect">
+            <a:avLst/>
+          </a:prstGeom>
+        </p:spPr>
+      </p:pic>
+    </p:spTree>
+    <p:extLst>
+      <p:ext uri="{BB962C8B-B14F-4D97-AF65-F5344CB8AC3E}">
+        <p14:creationId xmlns:p14="http://schemas.microsoft.com/office/powerpoint/2010/main" val="716315154"/>
+      </p:ext>
+    </p:extLst>
+  </p:cSld>
+  <p:clrMapOvr>
+    <a:masterClrMapping/>
+  </p:clrMapOvr>
+  <mc:AlternateContent xmlns:mc="http://schemas.openxmlformats.org/markup-compatibility/2006" xmlns:p14="http://schemas.microsoft.com/office/powerpoint/2010/main">
+    <mc:Choice Requires="p14">
+      <p:transition spd="med" p14:dur="700">
+        <p:fade/>
+      </p:transition>
+    </mc:Choice>
+    <mc:Fallback xmlns="">
+      <p:transition spd="med">
+        <p:fade/>
+      </p:transition>
+    </mc:Fallback>
+  </mc:AlternateContent>
+  <p:timing>
+    <p:tnLst>
+      <p:par>
+        <p:cTn id="1" dur="indefinite" restart="never" nodeType="tmRoot"/>
+      </p:par>
+    </p:tnLst>
+  </p:timing>
+</p:sld>
+</file>
+
+<file path=ppt/slides/slide23.xml><?xml version="1.0" encoding="utf-8"?>
+<p:sld xmlns:a="http://schemas.openxmlformats.org/drawingml/2006/main" xmlns:r="http://schemas.openxmlformats.org/officeDocument/2006/relationships" xmlns:p="http://schemas.openxmlformats.org/presentationml/2006/main">
+  <p:cSld>
+    <p:spTree>
+      <p:nvGrpSpPr>
+        <p:cNvPr id="1" name=""/>
+        <p:cNvGrpSpPr/>
+        <p:nvPr/>
+      </p:nvGrpSpPr>
+      <p:grpSpPr>
+        <a:xfrm>
+          <a:off x="0" y="0"/>
+          <a:ext cx="0" cy="0"/>
+          <a:chOff x="0" y="0"/>
+          <a:chExt cx="0" cy="0"/>
+        </a:xfrm>
+      </p:grpSpPr>
+      <p:sp>
+        <p:nvSpPr>
+          <p:cNvPr id="2" name="标题 1"/>
+          <p:cNvSpPr>
+            <a:spLocks noGrp="1"/>
+          </p:cNvSpPr>
+          <p:nvPr>
+            <p:ph type="title"/>
+          </p:nvPr>
+        </p:nvSpPr>
+        <p:spPr>
+          <a:xfrm>
+            <a:off x="387810" y="102238"/>
+            <a:ext cx="9509760" cy="1233424"/>
+          </a:xfrm>
+        </p:spPr>
+        <p:txBody>
+          <a:bodyPr rtlCol="0"/>
+          <a:lstStyle/>
+          <a:p>
+            <a:pPr lvl="0"/>
+            <a:r>
+              <a:rPr lang="en-US" altLang="zh-CN" sz="3200" dirty="0" err="1" smtClean="0"/>
+              <a:t>Github</a:t>
+            </a:r>
+            <a:r>
+              <a:rPr lang="zh-CN" altLang="en-US" sz="3200" dirty="0" smtClean="0"/>
+              <a:t> </a:t>
+            </a:r>
+            <a:r>
+              <a:rPr lang="en-US" altLang="zh-CN" sz="3200" dirty="0" smtClean="0"/>
+              <a:t>Pages</a:t>
+            </a:r>
+            <a:r>
+              <a:rPr lang="zh-CN" altLang="en-US" sz="3200" dirty="0" smtClean="0"/>
+              <a:t>实现</a:t>
+            </a:r>
+            <a:r>
+              <a:rPr lang="en-US" sz="3200" dirty="0"/>
+              <a:t>CD</a:t>
+            </a:r>
+            <a:endParaRPr lang="en-US" dirty="0"/>
+          </a:p>
+        </p:txBody>
+      </p:sp>
+      <p:sp>
+        <p:nvSpPr>
+          <p:cNvPr id="3" name="内容占位符 2"/>
+          <p:cNvSpPr>
+            <a:spLocks noGrp="1"/>
+          </p:cNvSpPr>
+          <p:nvPr>
+            <p:ph sz="half" idx="1"/>
+          </p:nvPr>
+        </p:nvSpPr>
+        <p:spPr>
+          <a:xfrm>
+            <a:off x="387810" y="1843586"/>
+            <a:ext cx="8425990" cy="4123944"/>
+          </a:xfrm>
+        </p:spPr>
+        <p:txBody>
+          <a:bodyPr rtlCol="0">
+            <a:normAutofit/>
+          </a:bodyPr>
+          <a:lstStyle/>
+          <a:p>
+            <a:r>
+              <a:rPr lang="en-US" altLang="zh-CN" sz="2400" dirty="0" err="1" smtClean="0"/>
+              <a:t>dist</a:t>
+            </a:r>
+            <a:r>
+              <a:rPr lang="zh-CN" altLang="en-US" sz="2400" dirty="0" smtClean="0"/>
+              <a:t>被部署到了一个叫</a:t>
+            </a:r>
+            <a:r>
+              <a:rPr lang="en-US" altLang="zh-CN" sz="2400" dirty="0" err="1" smtClean="0"/>
+              <a:t>gh</a:t>
+            </a:r>
+            <a:r>
+              <a:rPr lang="en-US" altLang="zh-CN" sz="2400" dirty="0" smtClean="0"/>
+              <a:t>-pages</a:t>
+            </a:r>
+            <a:r>
+              <a:rPr lang="zh-CN" altLang="en-US" sz="2400" dirty="0" smtClean="0"/>
+              <a:t>的分支上</a:t>
+            </a:r>
+            <a:endParaRPr lang="en-US" altLang="zh-CN" sz="2400" dirty="0" smtClean="0"/>
+          </a:p>
+          <a:p>
+            <a:endParaRPr lang="en-US" sz="2400" dirty="0"/>
+          </a:p>
+        </p:txBody>
+      </p:sp>
+      <p:pic>
+        <p:nvPicPr>
+          <p:cNvPr id="4" name="图片 3"/>
+          <p:cNvPicPr>
+            <a:picLocks noChangeAspect="1"/>
+          </p:cNvPicPr>
+          <p:nvPr/>
+        </p:nvPicPr>
+        <p:blipFill>
+          <a:blip r:embed="rId3">
+            <a:extLst>
+              <a:ext uri="{28A0092B-C50C-407E-A947-70E740481C1C}">
+                <a14:useLocalDpi xmlns:a14="http://schemas.microsoft.com/office/drawing/2010/main" val="0"/>
+              </a:ext>
+            </a:extLst>
+          </a:blip>
+          <a:stretch>
+            <a:fillRect/>
+          </a:stretch>
+        </p:blipFill>
+        <p:spPr>
+          <a:xfrm>
+            <a:off x="0" y="3301821"/>
+            <a:ext cx="12192000" cy="2042052"/>
+          </a:xfrm>
+          <a:prstGeom prst="rect">
+            <a:avLst/>
+          </a:prstGeom>
+        </p:spPr>
+      </p:pic>
+    </p:spTree>
+    <p:extLst>
+      <p:ext uri="{BB962C8B-B14F-4D97-AF65-F5344CB8AC3E}">
+        <p14:creationId xmlns:p14="http://schemas.microsoft.com/office/powerpoint/2010/main" val="127444104"/>
+      </p:ext>
+    </p:extLst>
+  </p:cSld>
+  <p:clrMapOvr>
+    <a:masterClrMapping/>
+  </p:clrMapOvr>
+  <mc:AlternateContent xmlns:mc="http://schemas.openxmlformats.org/markup-compatibility/2006" xmlns:p14="http://schemas.microsoft.com/office/powerpoint/2010/main">
+    <mc:Choice Requires="p14">
+      <p:transition spd="med" p14:dur="700">
+        <p:fade/>
+      </p:transition>
+    </mc:Choice>
+    <mc:Fallback xmlns="">
+      <p:transition spd="med">
+        <p:fade/>
+      </p:transition>
+    </mc:Fallback>
+  </mc:AlternateContent>
+  <p:timing>
+    <p:tnLst>
+      <p:par>
+        <p:cTn id="1" dur="indefinite" restart="never" nodeType="tmRoot"/>
+      </p:par>
+    </p:tnLst>
+  </p:timing>
+</p:sld>
+</file>
+
+<file path=ppt/slides/slide24.xml><?xml version="1.0" encoding="utf-8"?>
+<p:sld xmlns:a="http://schemas.openxmlformats.org/drawingml/2006/main" xmlns:r="http://schemas.openxmlformats.org/officeDocument/2006/relationships" xmlns:p="http://schemas.openxmlformats.org/presentationml/2006/main">
+  <p:cSld>
+    <p:spTree>
+      <p:nvGrpSpPr>
+        <p:cNvPr id="1" name=""/>
+        <p:cNvGrpSpPr/>
+        <p:nvPr/>
+      </p:nvGrpSpPr>
+      <p:grpSpPr>
+        <a:xfrm>
+          <a:off x="0" y="0"/>
+          <a:ext cx="0" cy="0"/>
+          <a:chOff x="0" y="0"/>
+          <a:chExt cx="0" cy="0"/>
+        </a:xfrm>
+      </p:grpSpPr>
+      <p:sp>
+        <p:nvSpPr>
+          <p:cNvPr id="2" name="标题 1"/>
+          <p:cNvSpPr>
+            <a:spLocks noGrp="1"/>
+          </p:cNvSpPr>
+          <p:nvPr>
+            <p:ph type="title"/>
+          </p:nvPr>
+        </p:nvSpPr>
+        <p:spPr>
+          <a:xfrm>
+            <a:off x="387810" y="102238"/>
+            <a:ext cx="9509760" cy="1233424"/>
+          </a:xfrm>
+        </p:spPr>
+        <p:txBody>
+          <a:bodyPr rtlCol="0"/>
+          <a:lstStyle/>
+          <a:p>
+            <a:pPr lvl="0"/>
+            <a:r>
+              <a:rPr lang="en-US" altLang="zh-CN" sz="3200" dirty="0" err="1" smtClean="0"/>
+              <a:t>Github</a:t>
+            </a:r>
+            <a:r>
+              <a:rPr lang="zh-CN" altLang="en-US" sz="3200" dirty="0" smtClean="0"/>
+              <a:t> </a:t>
+            </a:r>
+            <a:r>
+              <a:rPr lang="en-US" altLang="zh-CN" sz="3200" dirty="0" smtClean="0"/>
+              <a:t>Pages</a:t>
+            </a:r>
+            <a:r>
+              <a:rPr lang="zh-CN" altLang="en-US" sz="3200" dirty="0" smtClean="0"/>
+              <a:t>实现</a:t>
+            </a:r>
+            <a:r>
+              <a:rPr lang="en-US" sz="3200" dirty="0"/>
+              <a:t>CD</a:t>
+            </a:r>
+            <a:endParaRPr lang="en-US" dirty="0"/>
+          </a:p>
+        </p:txBody>
+      </p:sp>
+      <p:pic>
+        <p:nvPicPr>
+          <p:cNvPr id="5" name="内容占位符 4"/>
+          <p:cNvPicPr>
+            <a:picLocks noGrp="1" noChangeAspect="1"/>
+          </p:cNvPicPr>
+          <p:nvPr>
+            <p:ph sz="half" idx="1"/>
+          </p:nvPr>
+        </p:nvPicPr>
+        <p:blipFill>
+          <a:blip r:embed="rId3">
+            <a:extLst>
+              <a:ext uri="{28A0092B-C50C-407E-A947-70E740481C1C}">
+                <a14:useLocalDpi xmlns:a14="http://schemas.microsoft.com/office/drawing/2010/main" val="0"/>
+              </a:ext>
+            </a:extLst>
+          </a:blip>
+          <a:stretch>
+            <a:fillRect/>
+          </a:stretch>
+        </p:blipFill>
+        <p:spPr>
+          <a:xfrm>
+            <a:off x="0" y="2299784"/>
+            <a:ext cx="12192000" cy="4281319"/>
+          </a:xfrm>
+        </p:spPr>
+      </p:pic>
+      <p:sp>
+        <p:nvSpPr>
+          <p:cNvPr id="8" name="内容占位符 2"/>
+          <p:cNvSpPr>
+            <a:spLocks noGrp="1"/>
+          </p:cNvSpPr>
+          <p:nvPr>
+            <p:ph sz="half" idx="1"/>
+          </p:nvPr>
+        </p:nvSpPr>
+        <p:spPr>
+          <a:xfrm>
+            <a:off x="387810" y="1696270"/>
+            <a:ext cx="8425990" cy="4123944"/>
+          </a:xfrm>
+        </p:spPr>
+        <p:txBody>
+          <a:bodyPr rtlCol="0">
+            <a:normAutofit/>
+          </a:bodyPr>
+          <a:lstStyle/>
+          <a:p>
+            <a:r>
+              <a:rPr lang="zh-CN" altLang="en-US" sz="2400" dirty="0" smtClean="0"/>
+              <a:t>部署成功！</a:t>
+            </a:r>
+            <a:endParaRPr lang="en-US" altLang="zh-CN" sz="2400" dirty="0" smtClean="0"/>
+          </a:p>
+          <a:p>
+            <a:endParaRPr lang="en-US" sz="2400" dirty="0"/>
+          </a:p>
+        </p:txBody>
+      </p:sp>
+    </p:spTree>
+    <p:extLst>
+      <p:ext uri="{BB962C8B-B14F-4D97-AF65-F5344CB8AC3E}">
+        <p14:creationId xmlns:p14="http://schemas.microsoft.com/office/powerpoint/2010/main" val="772998471"/>
+      </p:ext>
+    </p:extLst>
+  </p:cSld>
+  <p:clrMapOvr>
+    <a:masterClrMapping/>
+  </p:clrMapOvr>
+  <mc:AlternateContent xmlns:mc="http://schemas.openxmlformats.org/markup-compatibility/2006" xmlns:p14="http://schemas.microsoft.com/office/powerpoint/2010/main">
+    <mc:Choice Requires="p14">
+      <p:transition spd="med" p14:dur="700">
+        <p:fade/>
+      </p:transition>
+    </mc:Choice>
+    <mc:Fallback xmlns="">
+      <p:transition spd="med">
+        <p:fade/>
+      </p:transition>
+    </mc:Fallback>
+  </mc:AlternateContent>
+  <p:timing>
+    <p:tnLst>
+      <p:par>
+        <p:cTn id="1" dur="indefinite" restart="never" nodeType="tmRoot"/>
+      </p:par>
+    </p:tnLst>
+  </p:timing>
+</p:sld>
+</file>
+
+<file path=ppt/slides/slide25.xml><?xml version="1.0" encoding="utf-8"?>
+<p:sld xmlns:a="http://schemas.openxmlformats.org/drawingml/2006/main" xmlns:r="http://schemas.openxmlformats.org/officeDocument/2006/relationships" xmlns:p="http://schemas.openxmlformats.org/presentationml/2006/main">
+  <p:cSld>
+    <p:spTree>
+      <p:nvGrpSpPr>
+        <p:cNvPr id="1" name=""/>
+        <p:cNvGrpSpPr/>
+        <p:nvPr/>
+      </p:nvGrpSpPr>
+      <p:grpSpPr>
+        <a:xfrm>
+          <a:off x="0" y="0"/>
+          <a:ext cx="0" cy="0"/>
+          <a:chOff x="0" y="0"/>
+          <a:chExt cx="0" cy="0"/>
+        </a:xfrm>
+      </p:grpSpPr>
+      <p:sp>
+        <p:nvSpPr>
+          <p:cNvPr id="4" name="标题 3"/>
+          <p:cNvSpPr>
+            <a:spLocks noGrp="1"/>
+          </p:cNvSpPr>
+          <p:nvPr>
+            <p:ph type="title"/>
+          </p:nvPr>
+        </p:nvSpPr>
+        <p:spPr/>
+        <p:txBody>
+          <a:bodyPr rtlCol="0"/>
+          <a:lstStyle/>
+          <a:p>
+            <a:r>
+              <a:rPr lang="en-US" altLang="zh-CN" smtClean="0"/>
+              <a:t>Q&amp;A</a:t>
+            </a:r>
+            <a:endParaRPr lang="x-none" altLang="en-US" dirty="0"/>
+          </a:p>
+        </p:txBody>
+      </p:sp>
+      <p:sp>
+        <p:nvSpPr>
+          <p:cNvPr id="5" name="文本占位符 4"/>
+          <p:cNvSpPr>
+            <a:spLocks noGrp="1"/>
+          </p:cNvSpPr>
+          <p:nvPr>
+            <p:ph type="body" idx="1"/>
+          </p:nvPr>
+        </p:nvSpPr>
+        <p:spPr/>
+        <p:txBody>
+          <a:bodyPr rtlCol="0"/>
+          <a:lstStyle/>
+          <a:p>
+            <a:pPr rtl="0"/>
+            <a:endParaRPr lang="en-US"/>
+          </a:p>
+        </p:txBody>
+      </p:sp>
+    </p:spTree>
+    <p:extLst>
+      <p:ext uri="{BB962C8B-B14F-4D97-AF65-F5344CB8AC3E}">
+        <p14:creationId xmlns:p14="http://schemas.microsoft.com/office/powerpoint/2010/main" val="221964372"/>
+      </p:ext>
+    </p:extLst>
+  </p:cSld>
+  <p:clrMapOvr>
+    <a:masterClrMapping/>
+  </p:clrMapOvr>
+  <mc:AlternateContent xmlns:mc="http://schemas.openxmlformats.org/markup-compatibility/2006" xmlns:p14="http://schemas.microsoft.com/office/powerpoint/2010/main">
+    <mc:Choice Requires="p14">
+      <p:transition spd="med" p14:dur="700">
+        <p:fade/>
+      </p:transition>
+    </mc:Choice>
+    <mc:Fallback xmlns="">
+      <p:transition spd="med">
+        <p:fade/>
+      </p:transition>
+    </mc:Fallback>
+  </mc:AlternateContent>
+  <p:timing>
+    <p:tnLst>
+      <p:par>
+        <p:cTn id="1" dur="indefinite" restart="never" nodeType="tmRoot"/>
+      </p:par>
+    </p:tnLst>
+  </p:timing>
+</p:sld>
+</file>
+
+<file path=ppt/slides/slide26.xml><?xml version="1.0" encoding="utf-8"?>
+<p:sld xmlns:a="http://schemas.openxmlformats.org/drawingml/2006/main" xmlns:r="http://schemas.openxmlformats.org/officeDocument/2006/relationships" xmlns:p="http://schemas.openxmlformats.org/presentationml/2006/main">
+  <p:cSld>
+    <p:spTree>
+      <p:nvGrpSpPr>
+        <p:cNvPr id="1" name=""/>
+        <p:cNvGrpSpPr/>
+        <p:nvPr/>
+      </p:nvGrpSpPr>
+      <p:grpSpPr>
+        <a:xfrm>
+          <a:off x="0" y="0"/>
+          <a:ext cx="0" cy="0"/>
+          <a:chOff x="0" y="0"/>
+          <a:chExt cx="0" cy="0"/>
+        </a:xfrm>
+      </p:grpSpPr>
+      <p:sp>
+        <p:nvSpPr>
+          <p:cNvPr id="4" name="标题 3"/>
+          <p:cNvSpPr>
+            <a:spLocks noGrp="1"/>
+          </p:cNvSpPr>
+          <p:nvPr>
+            <p:ph type="title"/>
+          </p:nvPr>
+        </p:nvSpPr>
+        <p:spPr/>
+        <p:txBody>
+          <a:bodyPr rtlCol="0"/>
+          <a:lstStyle/>
+          <a:p>
+            <a:r>
+              <a:rPr lang="en-US" altLang="zh-CN" dirty="0" smtClean="0"/>
+              <a:t>Thanks!</a:t>
+            </a:r>
+            <a:endParaRPr lang="x-none" altLang="en-US" dirty="0"/>
+          </a:p>
+        </p:txBody>
+      </p:sp>
+      <p:sp>
+        <p:nvSpPr>
+          <p:cNvPr id="5" name="文本占位符 4"/>
+          <p:cNvSpPr>
+            <a:spLocks noGrp="1"/>
+          </p:cNvSpPr>
+          <p:nvPr>
+            <p:ph type="body" idx="1"/>
+          </p:nvPr>
+        </p:nvSpPr>
+        <p:spPr/>
+        <p:txBody>
+          <a:bodyPr rtlCol="0"/>
+          <a:lstStyle/>
+          <a:p>
+            <a:pPr rtl="0"/>
+            <a:endParaRPr lang="en-US"/>
+          </a:p>
+        </p:txBody>
+      </p:sp>
+    </p:spTree>
+    <p:extLst>
+      <p:ext uri="{BB962C8B-B14F-4D97-AF65-F5344CB8AC3E}">
+        <p14:creationId xmlns:p14="http://schemas.microsoft.com/office/powerpoint/2010/main" val="2429474892"/>
       </p:ext>
     </p:extLst>
   </p:cSld>
@@ -7816,7 +9827,12 @@
             <p:ph type="title"/>
           </p:nvPr>
         </p:nvSpPr>
-        <p:spPr/>
+        <p:spPr>
+          <a:xfrm>
+            <a:off x="1295400" y="1089152"/>
+            <a:ext cx="9601200" cy="2359152"/>
+          </a:xfrm>
+        </p:spPr>
         <p:txBody>
           <a:bodyPr rtlCol="0"/>
           <a:lstStyle/>
@@ -7833,7 +9849,7 @@
               <a:rPr lang="en-US" altLang="zh-CN" dirty="0"/>
               <a:t>CI</a:t>
             </a:r>
-            <a:endParaRPr lang="zh-cn" altLang="en-US" dirty="0"/>
+            <a:endParaRPr lang="x-none" altLang="en-US" dirty="0"/>
           </a:p>
         </p:txBody>
       </p:sp>
